--- a/ppt/微信小程序/微信小程序.pptx
+++ b/ppt/微信小程序/微信小程序.pptx
@@ -251,7 +251,7 @@
               <a:rPr lang="en-US" altLang="zh-CN" smtClean="0">
                 <a:ea typeface="Microsoft YaHei UI" panose="020B0503020204020204" pitchFamily="34" charset="-122"/>
               </a:rPr>
-              <a:t>3/11/2017</a:t>
+              <a:t>3/27/2017</a:t>
             </a:fld>
             <a:endParaRPr lang="zh-CN" dirty="0">
               <a:ea typeface="Microsoft YaHei UI" panose="020B0503020204020204" pitchFamily="34" charset="-122"/>
@@ -429,7 +429,7 @@
             <a:fld id="{1F89424F-BB59-4F4E-9822-4CA3E770FFD2}" type="datetimeFigureOut">
               <a:rPr lang="en-US" altLang="zh-CN" smtClean="0"/>
               <a:pPr/>
-              <a:t>3/11/2017</a:t>
+              <a:t>3/27/2017</a:t>
             </a:fld>
             <a:endParaRPr lang="zh-CN" altLang="en-US" dirty="0"/>
           </a:p>
@@ -4372,23 +4372,15 @@
                 <a:ea typeface="Arial Unicode MS" panose="020B0604020202020204" pitchFamily="34" charset="-122"/>
                 <a:cs typeface="Arial Unicode MS" panose="020B0604020202020204" pitchFamily="34" charset="-122"/>
               </a:rPr>
-              <a:t>微信小程序</a:t>
-            </a:r>
-            <a:r>
-              <a:rPr lang="en-US" altLang="zh-CN" dirty="0" smtClean="0">
+              <a:t>微信小</a:t>
+            </a:r>
+            <a:r>
+              <a:rPr lang="zh-CN" altLang="en-US" dirty="0" smtClean="0">
                 <a:latin typeface="Arial Unicode MS" panose="020B0604020202020204" pitchFamily="34" charset="-122"/>
                 <a:ea typeface="Arial Unicode MS" panose="020B0604020202020204" pitchFamily="34" charset="-122"/>
                 <a:cs typeface="Arial Unicode MS" panose="020B0604020202020204" pitchFamily="34" charset="-122"/>
               </a:rPr>
-              <a:t> </a:t>
-            </a:r>
-            <a:r>
-              <a:rPr lang="en-US" altLang="zh-CN" dirty="0" smtClean="0">
-                <a:latin typeface="Arial Unicode MS" panose="020B0604020202020204" pitchFamily="34" charset="-122"/>
-                <a:ea typeface="Arial Unicode MS" panose="020B0604020202020204" pitchFamily="34" charset="-122"/>
-                <a:cs typeface="Arial Unicode MS" panose="020B0604020202020204" pitchFamily="34" charset="-122"/>
-              </a:rPr>
-              <a:t>2</a:t>
+              <a:t>程序</a:t>
             </a:r>
             <a:endParaRPr lang="zh-CN" dirty="0">
               <a:latin typeface="Arial Unicode MS" panose="020B0604020202020204" pitchFamily="34" charset="-122"/>
@@ -5541,7 +5533,7 @@
         </p:spPr>
         <p:txBody>
           <a:bodyPr>
-            <a:normAutofit fontScale="92500" lnSpcReduction="20000"/>
+            <a:normAutofit/>
           </a:bodyPr>
           <a:lstStyle/>
           <a:p>
@@ -5571,106 +5563,7 @@
               <a:buFont typeface="+mj-lt"/>
               <a:buAutoNum type="arabicPeriod"/>
             </a:pPr>
-            <a:r>
-              <a:rPr lang="en-US" altLang="zh-CN" dirty="0" smtClean="0"/>
-              <a:t>Controllers</a:t>
-            </a:r>
             <a:endParaRPr lang="en-US" altLang="zh-CN" dirty="0"/>
-          </a:p>
-          <a:p>
-            <a:pPr marL="502920" indent="-457200">
-              <a:buFont typeface="+mj-lt"/>
-              <a:buAutoNum type="arabicPeriod"/>
-            </a:pPr>
-            <a:r>
-              <a:rPr lang="en-US" altLang="zh-CN" dirty="0"/>
-              <a:t>Scopes</a:t>
-            </a:r>
-          </a:p>
-          <a:p>
-            <a:pPr marL="502920" indent="-457200">
-              <a:buFont typeface="+mj-lt"/>
-              <a:buAutoNum type="arabicPeriod"/>
-            </a:pPr>
-            <a:r>
-              <a:rPr lang="en-US" altLang="zh-CN" dirty="0"/>
-              <a:t>service</a:t>
-            </a:r>
-          </a:p>
-          <a:p>
-            <a:pPr marL="502920" indent="-457200">
-              <a:buFont typeface="+mj-lt"/>
-              <a:buAutoNum type="arabicPeriod"/>
-            </a:pPr>
-            <a:r>
-              <a:rPr lang="zh-CN" altLang="en-US" dirty="0"/>
-              <a:t>依赖注入</a:t>
-            </a:r>
-            <a:endParaRPr lang="en-US" altLang="zh-CN" dirty="0"/>
-          </a:p>
-          <a:p>
-            <a:pPr marL="502920" indent="-457200">
-              <a:buFont typeface="+mj-lt"/>
-              <a:buAutoNum type="arabicPeriod"/>
-            </a:pPr>
-            <a:r>
-              <a:rPr lang="zh-CN" altLang="en-US" dirty="0"/>
-              <a:t>过滤器</a:t>
-            </a:r>
-            <a:endParaRPr lang="en-US" altLang="zh-CN" dirty="0"/>
-          </a:p>
-          <a:p>
-            <a:pPr marL="502920" indent="-457200">
-              <a:buFont typeface="+mj-lt"/>
-              <a:buAutoNum type="arabicPeriod"/>
-            </a:pPr>
-            <a:r>
-              <a:rPr lang="zh-CN" altLang="en-US" dirty="0"/>
-              <a:t>表单</a:t>
-            </a:r>
-            <a:endParaRPr lang="en-US" altLang="zh-CN" dirty="0"/>
-          </a:p>
-          <a:p>
-            <a:pPr marL="502920" indent="-457200">
-              <a:buFont typeface="+mj-lt"/>
-              <a:buAutoNum type="arabicPeriod"/>
-            </a:pPr>
-            <a:r>
-              <a:rPr lang="zh-CN" altLang="en-US" dirty="0"/>
-              <a:t>指令</a:t>
-            </a:r>
-            <a:endParaRPr lang="en-US" altLang="zh-CN" dirty="0"/>
-          </a:p>
-          <a:p>
-            <a:pPr marL="502920" indent="-457200">
-              <a:buFont typeface="+mj-lt"/>
-              <a:buAutoNum type="arabicPeriod"/>
-            </a:pPr>
-            <a:r>
-              <a:rPr lang="zh-CN" altLang="en-US" dirty="0"/>
-              <a:t>路由</a:t>
-            </a:r>
-            <a:endParaRPr lang="en-US" altLang="zh-CN" dirty="0"/>
-          </a:p>
-          <a:p>
-            <a:pPr marL="502920" indent="-457200">
-              <a:buFont typeface="+mj-lt"/>
-              <a:buAutoNum type="arabicPeriod"/>
-            </a:pPr>
-            <a:r>
-              <a:rPr lang="en-US" altLang="zh-CN" dirty="0"/>
-              <a:t>AngularJS Http</a:t>
-            </a:r>
-          </a:p>
-          <a:p>
-            <a:pPr marL="502920" indent="-457200">
-              <a:buFont typeface="+mj-lt"/>
-              <a:buAutoNum type="arabicPeriod"/>
-            </a:pPr>
-            <a:r>
-              <a:rPr lang="en-US" altLang="zh-CN" dirty="0"/>
-              <a:t>promise</a:t>
-            </a:r>
           </a:p>
         </p:txBody>
       </p:sp>
